--- a/IntroSlides.pptx
+++ b/IntroSlides.pptx
@@ -5,17 +5,16 @@
     <p:sldMasterId id="2147483881" r:id="rId4"/>
   </p:sldMasterIdLst>
   <p:notesMasterIdLst>
-    <p:notesMasterId r:id="rId13"/>
+    <p:notesMasterId r:id="rId12"/>
   </p:notesMasterIdLst>
   <p:sldIdLst>
     <p:sldId id="414" r:id="rId5"/>
     <p:sldId id="416" r:id="rId6"/>
-    <p:sldId id="417" r:id="rId7"/>
-    <p:sldId id="418" r:id="rId8"/>
-    <p:sldId id="419" r:id="rId9"/>
-    <p:sldId id="420" r:id="rId10"/>
-    <p:sldId id="421" r:id="rId11"/>
-    <p:sldId id="422" r:id="rId12"/>
+    <p:sldId id="418" r:id="rId7"/>
+    <p:sldId id="420" r:id="rId8"/>
+    <p:sldId id="421" r:id="rId9"/>
+    <p:sldId id="422" r:id="rId10"/>
+    <p:sldId id="419" r:id="rId11"/>
   </p:sldIdLst>
   <p:sldSz cx="12192000" cy="6858000"/>
   <p:notesSz cx="6858000" cy="9144000"/>
@@ -204,7 +203,7 @@
           <a:p>
             <a:fld id="{56EC41C0-C3EA-419E-974A-9BDC317260CE}" type="datetimeFigureOut">
               <a:rPr lang="en-AU" smtClean="0"/>
-              <a:t>15/9/2025</a:t>
+              <a:t>16/9/2025</a:t>
             </a:fld>
             <a:endParaRPr lang="en-AU"/>
           </a:p>
@@ -941,7 +940,7 @@
           <a:effectLst/>
           <a:extLst>
             <a:ext uri="{91240B29-F687-4f45-9708-019B960494DF}">
-              <a14:hiddenLine xmlns="" xmlns:a14="http://schemas.microsoft.com/office/drawing/2010/main" w="9525">
+              <a14:hiddenLine xmlns:a14="http://schemas.microsoft.com/office/drawing/2010/main" xmlns="" w="9525">
                 <a:solidFill>
                   <a:srgbClr val="000000"/>
                 </a:solidFill>
@@ -1183,7 +1182,7 @@
           <a:p>
             <a:fld id="{6CA0E56A-6D5E-46C4-9A6A-00241D2698E8}" type="datetime1">
               <a:rPr lang="en-US" smtClean="0"/>
-              <a:t>9/15/25</a:t>
+              <a:t>9/16/25</a:t>
             </a:fld>
             <a:endParaRPr lang="en-US" dirty="0"/>
           </a:p>
@@ -1610,7 +1609,7 @@
           <a:p>
             <a:fld id="{C3D41FA4-EC07-4501-B67D-18D77D2DDC36}" type="datetime1">
               <a:rPr lang="en-US" smtClean="0"/>
-              <a:t>9/15/25</a:t>
+              <a:t>9/16/25</a:t>
             </a:fld>
             <a:endParaRPr lang="en-US" dirty="0"/>
           </a:p>
@@ -2114,7 +2113,7 @@
           <a:p>
             <a:fld id="{DC7240A6-E465-49F6-809B-B96C967F27D5}" type="datetime1">
               <a:rPr lang="en-US" smtClean="0"/>
-              <a:t>9/15/25</a:t>
+              <a:t>9/16/25</a:t>
             </a:fld>
             <a:endParaRPr lang="en-US" dirty="0"/>
           </a:p>
@@ -2499,7 +2498,7 @@
           <a:p>
             <a:fld id="{1E43B2D2-873C-487B-AA82-D6739981B2D3}" type="datetime1">
               <a:rPr lang="en-US" smtClean="0"/>
-              <a:t>9/15/25</a:t>
+              <a:t>9/16/25</a:t>
             </a:fld>
             <a:endParaRPr lang="en-US" dirty="0"/>
           </a:p>
@@ -2665,7 +2664,7 @@
           <a:ln/>
           <a:extLst>
             <a:ext uri="{91240B29-F687-4f45-9708-019B960494DF}">
-              <a14:hiddenLine xmlns:a14="http://schemas.microsoft.com/office/drawing/2010/main" xmlns="" w="9525">
+              <a14:hiddenLine xmlns="" xmlns:a14="http://schemas.microsoft.com/office/drawing/2010/main" w="9525">
                 <a:solidFill>
                   <a:srgbClr val="000000"/>
                 </a:solidFill>
@@ -2788,7 +2787,7 @@
           <a:p>
             <a:fld id="{FB1119DF-7970-4B1A-B90C-ADF88CBB6E81}" type="datetime1">
               <a:rPr lang="en-US" smtClean="0"/>
-              <a:t>9/15/25</a:t>
+              <a:t>9/16/25</a:t>
             </a:fld>
             <a:endParaRPr lang="en-US" dirty="0"/>
           </a:p>
@@ -2955,7 +2954,7 @@
           <a:ln/>
           <a:extLst>
             <a:ext uri="{91240B29-F687-4f45-9708-019B960494DF}">
-              <a14:hiddenLine xmlns:a14="http://schemas.microsoft.com/office/drawing/2010/main" xmlns="" w="9525">
+              <a14:hiddenLine xmlns="" xmlns:a14="http://schemas.microsoft.com/office/drawing/2010/main" w="9525">
                 <a:solidFill>
                   <a:srgbClr val="000000"/>
                 </a:solidFill>
@@ -3088,7 +3087,7 @@
           <a:p>
             <a:fld id="{CD439812-AA5C-414C-984B-4512316C1D2E}" type="datetime1">
               <a:rPr lang="en-US" smtClean="0"/>
-              <a:t>9/15/25</a:t>
+              <a:t>9/16/25</a:t>
             </a:fld>
             <a:endParaRPr lang="en-US" dirty="0"/>
           </a:p>
@@ -3316,7 +3315,7 @@
           <a:p>
             <a:fld id="{205D64A0-9C27-4D58-BEC7-DE7396198C29}" type="datetime1">
               <a:rPr lang="en-US" smtClean="0"/>
-              <a:t>9/15/25</a:t>
+              <a:t>9/16/25</a:t>
             </a:fld>
             <a:endParaRPr lang="en-US" dirty="0"/>
           </a:p>
@@ -4391,7 +4390,7 @@
           <a:ln/>
           <a:extLst>
             <a:ext uri="{91240B29-F687-4f45-9708-019B960494DF}">
-              <a14:hiddenLine xmlns="" xmlns:a14="http://schemas.microsoft.com/office/drawing/2010/main" w="9525">
+              <a14:hiddenLine xmlns:a14="http://schemas.microsoft.com/office/drawing/2010/main" xmlns="" w="9525">
                 <a:solidFill>
                   <a:srgbClr val="000000"/>
                 </a:solidFill>
@@ -4847,7 +4846,7 @@
           <a:p>
             <a:fld id="{3291D0AC-6A58-4203-8C94-9DF79203B02A}" type="datetime1">
               <a:rPr lang="en-US" smtClean="0"/>
-              <a:t>9/15/25</a:t>
+              <a:t>9/16/25</a:t>
             </a:fld>
             <a:endParaRPr lang="en-US" dirty="0"/>
           </a:p>
@@ -5922,7 +5921,7 @@
           <a:ln/>
           <a:extLst>
             <a:ext uri="{91240B29-F687-4f45-9708-019B960494DF}">
-              <a14:hiddenLine xmlns="" xmlns:a14="http://schemas.microsoft.com/office/drawing/2010/main" w="9525">
+              <a14:hiddenLine xmlns:a14="http://schemas.microsoft.com/office/drawing/2010/main" xmlns="" w="9525">
                 <a:solidFill>
                   <a:srgbClr val="000000"/>
                 </a:solidFill>
@@ -6126,7 +6125,7 @@
           <a:p>
             <a:fld id="{391CC74E-BC2A-4236-B9E9-735A3091B840}" type="datetime1">
               <a:rPr lang="en-US" smtClean="0"/>
-              <a:t>9/15/25</a:t>
+              <a:t>9/16/25</a:t>
             </a:fld>
             <a:endParaRPr lang="en-US" dirty="0"/>
           </a:p>
@@ -7201,7 +7200,7 @@
           <a:ln/>
           <a:extLst>
             <a:ext uri="{91240B29-F687-4f45-9708-019B960494DF}">
-              <a14:hiddenLine xmlns="" xmlns:a14="http://schemas.microsoft.com/office/drawing/2010/main" w="9525">
+              <a14:hiddenLine xmlns:a14="http://schemas.microsoft.com/office/drawing/2010/main" xmlns="" w="9525">
                 <a:solidFill>
                   <a:srgbClr val="000000"/>
                 </a:solidFill>
@@ -8639,7 +8638,7 @@
           <a:ln/>
           <a:extLst>
             <a:ext uri="{91240B29-F687-4f45-9708-019B960494DF}">
-              <a14:hiddenLine xmlns:a14="http://schemas.microsoft.com/office/drawing/2010/main" xmlns="" w="9525">
+              <a14:hiddenLine xmlns="" xmlns:a14="http://schemas.microsoft.com/office/drawing/2010/main" w="9525">
                 <a:solidFill>
                   <a:srgbClr val="000000"/>
                 </a:solidFill>
@@ -8751,7 +8750,7 @@
           <a:p>
             <a:fld id="{57402DEB-0E34-4869-8C5B-CEF804496543}" type="datetime1">
               <a:rPr lang="en-US" smtClean="0"/>
-              <a:t>9/15/25</a:t>
+              <a:t>9/16/25</a:t>
             </a:fld>
             <a:endParaRPr lang="en-US" dirty="0"/>
           </a:p>
@@ -9249,7 +9248,7 @@
           <a:p>
             <a:fld id="{DD277173-A9A6-4AA8-8BED-CC1D09460C79}" type="datetime1">
               <a:rPr lang="en-US" smtClean="0"/>
-              <a:t>9/15/25</a:t>
+              <a:t>9/16/25</a:t>
             </a:fld>
             <a:endParaRPr lang="en-US" dirty="0"/>
           </a:p>
@@ -9515,7 +9514,7 @@
           <a:p>
             <a:fld id="{A7D83990-636B-4C85-B4A9-B9D9FAC54192}" type="datetime1">
               <a:rPr lang="en-US" smtClean="0"/>
-              <a:t>9/15/25</a:t>
+              <a:t>9/16/25</a:t>
             </a:fld>
             <a:endParaRPr lang="en-US" dirty="0"/>
           </a:p>
@@ -10590,7 +10589,7 @@
           <a:ln/>
           <a:extLst>
             <a:ext uri="{91240B29-F687-4f45-9708-019B960494DF}">
-              <a14:hiddenLine xmlns:a14="http://schemas.microsoft.com/office/drawing/2010/main" xmlns="" w="9525">
+              <a14:hiddenLine xmlns="" xmlns:a14="http://schemas.microsoft.com/office/drawing/2010/main" w="9525">
                 <a:solidFill>
                   <a:srgbClr val="000000"/>
                 </a:solidFill>
@@ -11058,7 +11057,7 @@
           <a:p>
             <a:fld id="{AF33B5CD-133B-4397-B0E3-F2C54EA3A67A}" type="datetime1">
               <a:rPr lang="en-US" smtClean="0"/>
-              <a:t>9/15/25</a:t>
+              <a:t>9/16/25</a:t>
             </a:fld>
             <a:endParaRPr lang="en-US" dirty="0"/>
           </a:p>
@@ -12136,7 +12135,7 @@
           <a:ln/>
           <a:extLst>
             <a:ext uri="{91240B29-F687-4f45-9708-019B960494DF}">
-              <a14:hiddenLine xmlns:a14="http://schemas.microsoft.com/office/drawing/2010/main" xmlns="" w="9525">
+              <a14:hiddenLine xmlns="" xmlns:a14="http://schemas.microsoft.com/office/drawing/2010/main" w="9525">
                 <a:solidFill>
                   <a:srgbClr val="000000"/>
                 </a:solidFill>
@@ -12345,7 +12344,7 @@
           <a:p>
             <a:fld id="{B72E535E-DD72-4CAB-B806-BBFE01A4B1ED}" type="datetime1">
               <a:rPr lang="en-US" smtClean="0"/>
-              <a:t>9/15/25</a:t>
+              <a:t>9/16/25</a:t>
             </a:fld>
             <a:endParaRPr lang="en-US" dirty="0"/>
           </a:p>
@@ -13420,7 +13419,7 @@
           <a:ln/>
           <a:extLst>
             <a:ext uri="{91240B29-F687-4f45-9708-019B960494DF}">
-              <a14:hiddenLine xmlns:a14="http://schemas.microsoft.com/office/drawing/2010/main" xmlns="" w="9525">
+              <a14:hiddenLine xmlns="" xmlns:a14="http://schemas.microsoft.com/office/drawing/2010/main" w="9525">
                 <a:solidFill>
                   <a:srgbClr val="000000"/>
                 </a:solidFill>
@@ -13623,7 +13622,7 @@
           <a:p>
             <a:fld id="{9A3A1E57-2521-482F-AD09-077411DEEAF1}" type="datetime1">
               <a:rPr lang="en-US" smtClean="0"/>
-              <a:t>9/15/25</a:t>
+              <a:t>9/16/25</a:t>
             </a:fld>
             <a:endParaRPr lang="en-US" dirty="0"/>
           </a:p>
@@ -13901,7 +13900,7 @@
           <a:ln/>
           <a:extLst>
             <a:ext uri="{91240B29-F687-4f45-9708-019B960494DF}">
-              <a14:hiddenLine xmlns:a14="http://schemas.microsoft.com/office/drawing/2010/main" xmlns="" w="9525">
+              <a14:hiddenLine xmlns="" xmlns:a14="http://schemas.microsoft.com/office/drawing/2010/main" w="9525">
                 <a:solidFill>
                   <a:srgbClr val="000000"/>
                 </a:solidFill>
@@ -14105,7 +14104,7 @@
           <a:p>
             <a:fld id="{2B61C442-1E2E-4B26-A70B-82CFDEC666E0}" type="datetime1">
               <a:rPr lang="en-US" smtClean="0"/>
-              <a:t>9/15/25</a:t>
+              <a:t>9/16/25</a:t>
             </a:fld>
             <a:endParaRPr lang="en-US" dirty="0"/>
           </a:p>
@@ -14428,7 +14427,7 @@
           <a:p>
             <a:fld id="{7B95BC8E-5117-4670-8F37-43603EE283B9}" type="datetime1">
               <a:rPr lang="en-US" smtClean="0"/>
-              <a:t>9/15/25</a:t>
+              <a:t>9/16/25</a:t>
             </a:fld>
             <a:endParaRPr lang="en-US" dirty="0"/>
           </a:p>
@@ -14698,7 +14697,7 @@
           <a:p>
             <a:fld id="{8DE08193-8FE2-4BF3-8DBD-99E6D9F66D48}" type="datetime1">
               <a:rPr lang="en-US" smtClean="0"/>
-              <a:t>9/15/25</a:t>
+              <a:t>9/16/25</a:t>
             </a:fld>
             <a:endParaRPr lang="en-US" dirty="0"/>
           </a:p>
@@ -15467,515 +15466,6 @@
   <p:cSld>
     <p:spTree>
       <p:nvGrpSpPr>
-        <p:cNvPr id="1" name=""/>
-        <p:cNvGrpSpPr/>
-        <p:nvPr/>
-      </p:nvGrpSpPr>
-      <p:grpSpPr>
-        <a:xfrm>
-          <a:off x="0" y="0"/>
-          <a:ext cx="0" cy="0"/>
-          <a:chOff x="0" y="0"/>
-          <a:chExt cx="0" cy="0"/>
-        </a:xfrm>
-      </p:grpSpPr>
-      <p:pic>
-        <p:nvPicPr>
-          <p:cNvPr id="7" name="Content Placeholder 6" descr="A qr code with black dots&#10;&#10;AI-generated content may be incorrect.">
-            <a:extLst>
-              <a:ext uri="{FF2B5EF4-FFF2-40B4-BE49-F238E27FC236}">
-                <a16:creationId xmlns:a16="http://schemas.microsoft.com/office/drawing/2014/main" id="{958C9CFA-02A8-EFC8-BD4B-8FC33234CBFC}"/>
-              </a:ext>
-            </a:extLst>
-          </p:cNvPr>
-          <p:cNvPicPr>
-            <a:picLocks noGrp="1" noChangeAspect="1"/>
-          </p:cNvPicPr>
-          <p:nvPr>
-            <p:ph sz="half" idx="1"/>
-          </p:nvPr>
-        </p:nvPicPr>
-        <p:blipFill>
-          <a:blip r:embed="rId2"/>
-          <a:stretch>
-            <a:fillRect/>
-          </a:stretch>
-        </p:blipFill>
-        <p:spPr>
-          <a:xfrm>
-            <a:off x="1103313" y="2416175"/>
-            <a:ext cx="3175000" cy="3175000"/>
-          </a:xfrm>
-        </p:spPr>
-      </p:pic>
-      <p:pic>
-        <p:nvPicPr>
-          <p:cNvPr id="11" name="Content Placeholder 10" descr="A screen shot of a classroom&#10;&#10;AI-generated content may be incorrect.">
-            <a:extLst>
-              <a:ext uri="{FF2B5EF4-FFF2-40B4-BE49-F238E27FC236}">
-                <a16:creationId xmlns:a16="http://schemas.microsoft.com/office/drawing/2014/main" id="{10FBCD91-6FF4-DF89-7FA3-998C23CBCA8F}"/>
-              </a:ext>
-            </a:extLst>
-          </p:cNvPr>
-          <p:cNvPicPr>
-            <a:picLocks noGrp="1" noChangeAspect="1"/>
-          </p:cNvPicPr>
-          <p:nvPr>
-            <p:ph sz="half" idx="2"/>
-          </p:nvPr>
-        </p:nvPicPr>
-        <p:blipFill>
-          <a:blip r:embed="rId3"/>
-          <a:stretch>
-            <a:fillRect/>
-          </a:stretch>
-        </p:blipFill>
-        <p:spPr>
-          <a:xfrm>
-            <a:off x="6425301" y="187529"/>
-            <a:ext cx="4999038" cy="1979091"/>
-          </a:xfrm>
-        </p:spPr>
-      </p:pic>
-      <p:sp>
-        <p:nvSpPr>
-          <p:cNvPr id="4" name="Slide Number Placeholder 3">
-            <a:extLst>
-              <a:ext uri="{FF2B5EF4-FFF2-40B4-BE49-F238E27FC236}">
-                <a16:creationId xmlns:a16="http://schemas.microsoft.com/office/drawing/2014/main" id="{BB6AA9BA-0C81-385A-886B-945DE43768DA}"/>
-              </a:ext>
-            </a:extLst>
-          </p:cNvPr>
-          <p:cNvSpPr>
-            <a:spLocks noGrp="1"/>
-          </p:cNvSpPr>
-          <p:nvPr>
-            <p:ph type="sldNum" sz="quarter" idx="12"/>
-          </p:nvPr>
-        </p:nvSpPr>
-        <p:spPr/>
-        <p:txBody>
-          <a:bodyPr/>
-          <a:lstStyle/>
-          <a:p>
-            <a:fld id="{6D22F896-40B5-4ADD-8801-0D06FADFA095}" type="slidenum">
-              <a:rPr lang="en-US" smtClean="0"/>
-              <a:t>3</a:t>
-            </a:fld>
-            <a:endParaRPr lang="en-US" dirty="0"/>
-          </a:p>
-        </p:txBody>
-      </p:sp>
-      <p:sp>
-        <p:nvSpPr>
-          <p:cNvPr id="5" name="Title 4">
-            <a:extLst>
-              <a:ext uri="{FF2B5EF4-FFF2-40B4-BE49-F238E27FC236}">
-                <a16:creationId xmlns:a16="http://schemas.microsoft.com/office/drawing/2014/main" id="{C317FC1A-508F-EA6E-C70A-E365BA57B559}"/>
-              </a:ext>
-            </a:extLst>
-          </p:cNvPr>
-          <p:cNvSpPr>
-            <a:spLocks noGrp="1"/>
-          </p:cNvSpPr>
-          <p:nvPr>
-            <p:ph type="title"/>
-          </p:nvPr>
-        </p:nvSpPr>
-        <p:spPr/>
-        <p:txBody>
-          <a:bodyPr/>
-          <a:lstStyle/>
-          <a:p>
-            <a:r>
-              <a:rPr lang="en-US" dirty="0"/>
-              <a:t>Getting the Code</a:t>
-            </a:r>
-          </a:p>
-        </p:txBody>
-      </p:sp>
-      <p:sp>
-        <p:nvSpPr>
-          <p:cNvPr id="9" name="TextBox 8">
-            <a:extLst>
-              <a:ext uri="{FF2B5EF4-FFF2-40B4-BE49-F238E27FC236}">
-                <a16:creationId xmlns:a16="http://schemas.microsoft.com/office/drawing/2014/main" id="{931DD5E5-225F-A1DC-BF28-4BDC250AE473}"/>
-              </a:ext>
-            </a:extLst>
-          </p:cNvPr>
-          <p:cNvSpPr txBox="1"/>
-          <p:nvPr/>
-        </p:nvSpPr>
-        <p:spPr>
-          <a:xfrm>
-            <a:off x="397823" y="5744840"/>
-            <a:ext cx="6133604" cy="369332"/>
-          </a:xfrm>
-          <a:prstGeom prst="rect">
-            <a:avLst/>
-          </a:prstGeom>
-          <a:noFill/>
-        </p:spPr>
-        <p:txBody>
-          <a:bodyPr wrap="square">
-            <a:spAutoFit/>
-          </a:bodyPr>
-          <a:lstStyle/>
-          <a:p>
-            <a:r>
-              <a:rPr lang="en-US" dirty="0">
-                <a:hlinkClick r:id="rId4"/>
-              </a:rPr>
-              <a:t>https://classroom.github.com/a/1rQUe32v</a:t>
-            </a:r>
-            <a:r>
-              <a:rPr lang="en-US" dirty="0"/>
-              <a:t> </a:t>
-            </a:r>
-          </a:p>
-        </p:txBody>
-      </p:sp>
-      <p:pic>
-        <p:nvPicPr>
-          <p:cNvPr id="12" name="Content Placeholder 15" descr="A screenshot of a web page&#10;&#10;AI-generated content may be incorrect.">
-            <a:extLst>
-              <a:ext uri="{FF2B5EF4-FFF2-40B4-BE49-F238E27FC236}">
-                <a16:creationId xmlns:a16="http://schemas.microsoft.com/office/drawing/2014/main" id="{3731200F-4AA9-AAB7-BBAB-15D068E16FC1}"/>
-              </a:ext>
-            </a:extLst>
-          </p:cNvPr>
-          <p:cNvPicPr>
-            <a:picLocks noChangeAspect="1"/>
-          </p:cNvPicPr>
-          <p:nvPr/>
-        </p:nvPicPr>
-        <p:blipFill>
-          <a:blip r:embed="rId5"/>
-          <a:srcRect l="59657" t="80470" r="6849"/>
-          <a:stretch>
-            <a:fillRect/>
-          </a:stretch>
-        </p:blipFill>
-        <p:spPr>
-          <a:xfrm>
-            <a:off x="7676867" y="2291061"/>
-            <a:ext cx="2602162" cy="775255"/>
-          </a:xfrm>
-          <a:prstGeom prst="rect">
-            <a:avLst/>
-          </a:prstGeom>
-          <a:effectLst>
-            <a:outerShdw blurRad="50800" dir="14400000">
-              <a:srgbClr val="000000">
-                <a:alpha val="40000"/>
-              </a:srgbClr>
-            </a:outerShdw>
-          </a:effectLst>
-        </p:spPr>
-      </p:pic>
-      <p:pic>
-        <p:nvPicPr>
-          <p:cNvPr id="13" name="Picture 12" descr="A screenshot of a computer&#10;&#10;AI-generated content may be incorrect.">
-            <a:extLst>
-              <a:ext uri="{FF2B5EF4-FFF2-40B4-BE49-F238E27FC236}">
-                <a16:creationId xmlns:a16="http://schemas.microsoft.com/office/drawing/2014/main" id="{658AC8F9-EF8E-5FF0-9C05-C1A5567E59A7}"/>
-              </a:ext>
-            </a:extLst>
-          </p:cNvPr>
-          <p:cNvPicPr>
-            <a:picLocks noChangeAspect="1"/>
-          </p:cNvPicPr>
-          <p:nvPr/>
-        </p:nvPicPr>
-        <p:blipFill>
-          <a:blip r:embed="rId6"/>
-          <a:stretch>
-            <a:fillRect/>
-          </a:stretch>
-        </p:blipFill>
-        <p:spPr>
-          <a:xfrm>
-            <a:off x="6055463" y="3202357"/>
-            <a:ext cx="5738714" cy="3559256"/>
-          </a:xfrm>
-          <a:prstGeom prst="rect">
-            <a:avLst/>
-          </a:prstGeom>
-        </p:spPr>
-      </p:pic>
-      <p:sp>
-        <p:nvSpPr>
-          <p:cNvPr id="14" name="TextBox 13">
-            <a:extLst>
-              <a:ext uri="{FF2B5EF4-FFF2-40B4-BE49-F238E27FC236}">
-                <a16:creationId xmlns:a16="http://schemas.microsoft.com/office/drawing/2014/main" id="{61F88748-707E-168E-AC78-178D71547836}"/>
-              </a:ext>
-            </a:extLst>
-          </p:cNvPr>
-          <p:cNvSpPr txBox="1"/>
-          <p:nvPr/>
-        </p:nvSpPr>
-        <p:spPr>
-          <a:xfrm>
-            <a:off x="9599395" y="4082968"/>
-            <a:ext cx="1854995" cy="369332"/>
-          </a:xfrm>
-          <a:prstGeom prst="rect">
-            <a:avLst/>
-          </a:prstGeom>
-          <a:solidFill>
-            <a:schemeClr val="accent1"/>
-          </a:solidFill>
-        </p:spPr>
-        <p:txBody>
-          <a:bodyPr wrap="none" rtlCol="0">
-            <a:spAutoFit/>
-          </a:bodyPr>
-          <a:lstStyle/>
-          <a:p>
-            <a:r>
-              <a:rPr lang="en-US" dirty="0"/>
-              <a:t>Remember this</a:t>
-            </a:r>
-          </a:p>
-        </p:txBody>
-      </p:sp>
-      <p:sp>
-        <p:nvSpPr>
-          <p:cNvPr id="15" name="TextBox 14">
-            <a:extLst>
-              <a:ext uri="{FF2B5EF4-FFF2-40B4-BE49-F238E27FC236}">
-                <a16:creationId xmlns:a16="http://schemas.microsoft.com/office/drawing/2014/main" id="{2BF1201B-7378-B4B8-85D6-E29D7E170FB6}"/>
-              </a:ext>
-            </a:extLst>
-          </p:cNvPr>
-          <p:cNvSpPr txBox="1"/>
-          <p:nvPr/>
-        </p:nvSpPr>
-        <p:spPr>
-          <a:xfrm>
-            <a:off x="9558122" y="6208806"/>
-            <a:ext cx="1866217" cy="461665"/>
-          </a:xfrm>
-          <a:prstGeom prst="rect">
-            <a:avLst/>
-          </a:prstGeom>
-          <a:solidFill>
-            <a:schemeClr val="accent1"/>
-          </a:solidFill>
-        </p:spPr>
-        <p:txBody>
-          <a:bodyPr wrap="none" rtlCol="0">
-            <a:spAutoFit/>
-          </a:bodyPr>
-          <a:lstStyle/>
-          <a:p>
-            <a:r>
-              <a:rPr lang="en-US" sz="2400" b="1" dirty="0"/>
-              <a:t>3. Click this</a:t>
-            </a:r>
-          </a:p>
-        </p:txBody>
-      </p:sp>
-      <p:cxnSp>
-        <p:nvCxnSpPr>
-          <p:cNvPr id="17" name="Straight Arrow Connector 16">
-            <a:extLst>
-              <a:ext uri="{FF2B5EF4-FFF2-40B4-BE49-F238E27FC236}">
-                <a16:creationId xmlns:a16="http://schemas.microsoft.com/office/drawing/2014/main" id="{977C3297-BEF5-8455-2311-5F61E3E9A9D5}"/>
-              </a:ext>
-            </a:extLst>
-          </p:cNvPr>
-          <p:cNvCxnSpPr>
-            <a:stCxn id="15" idx="1"/>
-          </p:cNvCxnSpPr>
-          <p:nvPr/>
-        </p:nvCxnSpPr>
-        <p:spPr>
-          <a:xfrm flipH="1" flipV="1">
-            <a:off x="8251431" y="6393472"/>
-            <a:ext cx="1306691" cy="46167"/>
-          </a:xfrm>
-          <a:prstGeom prst="straightConnector1">
-            <a:avLst/>
-          </a:prstGeom>
-          <a:ln w="76200">
-            <a:tailEnd type="triangle"/>
-          </a:ln>
-        </p:spPr>
-        <p:style>
-          <a:lnRef idx="1">
-            <a:schemeClr val="accent1"/>
-          </a:lnRef>
-          <a:fillRef idx="0">
-            <a:schemeClr val="accent1"/>
-          </a:fillRef>
-          <a:effectRef idx="0">
-            <a:schemeClr val="accent1"/>
-          </a:effectRef>
-          <a:fontRef idx="minor">
-            <a:schemeClr val="tx1"/>
-          </a:fontRef>
-        </p:style>
-      </p:cxnSp>
-      <p:cxnSp>
-        <p:nvCxnSpPr>
-          <p:cNvPr id="18" name="Straight Arrow Connector 17">
-            <a:extLst>
-              <a:ext uri="{FF2B5EF4-FFF2-40B4-BE49-F238E27FC236}">
-                <a16:creationId xmlns:a16="http://schemas.microsoft.com/office/drawing/2014/main" id="{37C168D9-0204-F830-8C17-5E26B244A7F4}"/>
-              </a:ext>
-            </a:extLst>
-          </p:cNvPr>
-          <p:cNvCxnSpPr>
-            <a:cxnSpLocks/>
-            <a:stCxn id="14" idx="2"/>
-          </p:cNvCxnSpPr>
-          <p:nvPr/>
-        </p:nvCxnSpPr>
-        <p:spPr>
-          <a:xfrm flipH="1">
-            <a:off x="9925917" y="4452300"/>
-            <a:ext cx="600976" cy="1287435"/>
-          </a:xfrm>
-          <a:prstGeom prst="straightConnector1">
-            <a:avLst/>
-          </a:prstGeom>
-          <a:ln w="76200">
-            <a:tailEnd type="triangle"/>
-          </a:ln>
-        </p:spPr>
-        <p:style>
-          <a:lnRef idx="1">
-            <a:schemeClr val="accent1"/>
-          </a:lnRef>
-          <a:fillRef idx="0">
-            <a:schemeClr val="accent1"/>
-          </a:fillRef>
-          <a:effectRef idx="0">
-            <a:schemeClr val="accent1"/>
-          </a:effectRef>
-          <a:fontRef idx="minor">
-            <a:schemeClr val="tx1"/>
-          </a:fontRef>
-        </p:style>
-      </p:cxnSp>
-      <p:sp>
-        <p:nvSpPr>
-          <p:cNvPr id="21" name="Oval 20">
-            <a:extLst>
-              <a:ext uri="{FF2B5EF4-FFF2-40B4-BE49-F238E27FC236}">
-                <a16:creationId xmlns:a16="http://schemas.microsoft.com/office/drawing/2014/main" id="{C03169E6-7FEE-EA1B-FA00-681A14D3FF43}"/>
-              </a:ext>
-            </a:extLst>
-          </p:cNvPr>
-          <p:cNvSpPr/>
-          <p:nvPr/>
-        </p:nvSpPr>
-        <p:spPr>
-          <a:xfrm>
-            <a:off x="11038115" y="1349339"/>
-            <a:ext cx="748145" cy="693054"/>
-          </a:xfrm>
-          <a:prstGeom prst="ellipse">
-            <a:avLst/>
-          </a:prstGeom>
-        </p:spPr>
-        <p:style>
-          <a:lnRef idx="2">
-            <a:schemeClr val="accent1">
-              <a:shade val="15000"/>
-            </a:schemeClr>
-          </a:lnRef>
-          <a:fillRef idx="1">
-            <a:schemeClr val="accent1"/>
-          </a:fillRef>
-          <a:effectRef idx="0">
-            <a:schemeClr val="accent1"/>
-          </a:effectRef>
-          <a:fontRef idx="minor">
-            <a:schemeClr val="lt1"/>
-          </a:fontRef>
-        </p:style>
-        <p:txBody>
-          <a:bodyPr rtlCol="0" anchor="ctr"/>
-          <a:lstStyle/>
-          <a:p>
-            <a:pPr algn="ctr"/>
-            <a:r>
-              <a:rPr lang="en-US" b="1" dirty="0"/>
-              <a:t>1</a:t>
-            </a:r>
-          </a:p>
-        </p:txBody>
-      </p:sp>
-      <p:sp>
-        <p:nvSpPr>
-          <p:cNvPr id="22" name="Oval 21">
-            <a:extLst>
-              <a:ext uri="{FF2B5EF4-FFF2-40B4-BE49-F238E27FC236}">
-                <a16:creationId xmlns:a16="http://schemas.microsoft.com/office/drawing/2014/main" id="{8834C8E0-77D4-3052-79D8-15C8ABBAE842}"/>
-              </a:ext>
-            </a:extLst>
-          </p:cNvPr>
-          <p:cNvSpPr/>
-          <p:nvPr/>
-        </p:nvSpPr>
-        <p:spPr>
-          <a:xfrm>
-            <a:off x="9904956" y="2301377"/>
-            <a:ext cx="748145" cy="693054"/>
-          </a:xfrm>
-          <a:prstGeom prst="ellipse">
-            <a:avLst/>
-          </a:prstGeom>
-        </p:spPr>
-        <p:style>
-          <a:lnRef idx="2">
-            <a:schemeClr val="accent1">
-              <a:shade val="15000"/>
-            </a:schemeClr>
-          </a:lnRef>
-          <a:fillRef idx="1">
-            <a:schemeClr val="accent1"/>
-          </a:fillRef>
-          <a:effectRef idx="0">
-            <a:schemeClr val="accent1"/>
-          </a:effectRef>
-          <a:fontRef idx="minor">
-            <a:schemeClr val="lt1"/>
-          </a:fontRef>
-        </p:style>
-        <p:txBody>
-          <a:bodyPr rtlCol="0" anchor="ctr"/>
-          <a:lstStyle/>
-          <a:p>
-            <a:pPr algn="ctr"/>
-            <a:r>
-              <a:rPr lang="en-US" b="1" dirty="0"/>
-              <a:t>2</a:t>
-            </a:r>
-          </a:p>
-        </p:txBody>
-      </p:sp>
-    </p:spTree>
-    <p:extLst>
-      <p:ext uri="{BB962C8B-B14F-4D97-AF65-F5344CB8AC3E}">
-        <p14:creationId xmlns:p14="http://schemas.microsoft.com/office/powerpoint/2010/main" val="1265768003"/>
-      </p:ext>
-    </p:extLst>
-  </p:cSld>
-  <p:clrMapOvr>
-    <a:masterClrMapping/>
-  </p:clrMapOvr>
-</p:sld>
-</file>
-
-<file path=ppt/slides/slide4.xml><?xml version="1.0" encoding="utf-8"?>
-<p:sld xmlns:a="http://schemas.openxmlformats.org/drawingml/2006/main" xmlns:r="http://schemas.openxmlformats.org/officeDocument/2006/relationships" xmlns:p="http://schemas.openxmlformats.org/presentationml/2006/main">
-  <p:cSld>
-    <p:spTree>
-      <p:nvGrpSpPr>
         <p:cNvPr id="1" name="">
           <a:extLst>
             <a:ext uri="{FF2B5EF4-FFF2-40B4-BE49-F238E27FC236}">
@@ -16017,7 +15507,7 @@
           <a:p>
             <a:fld id="{6D22F896-40B5-4ADD-8801-0D06FADFA095}" type="slidenum">
               <a:rPr lang="en-US" smtClean="0"/>
-              <a:t>4</a:t>
+              <a:t>3</a:t>
             </a:fld>
             <a:endParaRPr lang="en-US" dirty="0"/>
           </a:p>
@@ -16046,7 +15536,7 @@
           <a:p>
             <a:r>
               <a:rPr lang="en-US" dirty="0"/>
-              <a:t>If that last one doesn’t work</a:t>
+              <a:t>Getting the Code</a:t>
             </a:r>
           </a:p>
         </p:txBody>
@@ -16065,8 +15555,8 @@
         </p:nvSpPr>
         <p:spPr>
           <a:xfrm>
-            <a:off x="144401" y="5697318"/>
-            <a:ext cx="6134100" cy="646331"/>
+            <a:off x="217974" y="5244648"/>
+            <a:ext cx="6134100" cy="1200329"/>
           </a:xfrm>
           <a:prstGeom prst="rect">
             <a:avLst/>
@@ -16084,6 +15574,21 @@
                 <a:hlinkClick r:id="rId2"/>
               </a:rPr>
               <a:t>https://github.com/UTAS-ICT-Lindsay/ict-flutter-workshop-intro-to-flutter-intro_to_flutter</a:t>
+            </a:r>
+            <a:r>
+              <a:rPr lang="en-US" dirty="0"/>
+              <a:t> </a:t>
+            </a:r>
+          </a:p>
+          <a:p>
+            <a:endParaRPr lang="en-US" dirty="0"/>
+          </a:p>
+          <a:p>
+            <a:r>
+              <a:rPr lang="en-US" dirty="0">
+                <a:hlinkClick r:id="rId3"/>
+              </a:rPr>
+              <a:t>http://bit.ly/48g9cKi</a:t>
             </a:r>
             <a:r>
               <a:rPr lang="en-US" dirty="0"/>
@@ -16109,147 +15614,24 @@
           </p:nvPr>
         </p:nvPicPr>
         <p:blipFill>
-          <a:blip r:embed="rId3"/>
+          <a:blip r:embed="rId4"/>
           <a:stretch>
             <a:fillRect/>
           </a:stretch>
         </p:blipFill>
         <p:spPr>
           <a:xfrm>
-            <a:off x="1103313" y="2416175"/>
+            <a:off x="1176886" y="2069648"/>
             <a:ext cx="3175000" cy="3175000"/>
           </a:xfrm>
         </p:spPr>
       </p:pic>
-      <p:sp>
-        <p:nvSpPr>
-          <p:cNvPr id="20" name="Content Placeholder 19">
+      <p:pic>
+        <p:nvPicPr>
+          <p:cNvPr id="6" name="Content Placeholder 5">
             <a:extLst>
               <a:ext uri="{FF2B5EF4-FFF2-40B4-BE49-F238E27FC236}">
-                <a16:creationId xmlns:a16="http://schemas.microsoft.com/office/drawing/2014/main" id="{86123F82-53B4-7EDE-79B2-18FD1675B1FF}"/>
-              </a:ext>
-            </a:extLst>
-          </p:cNvPr>
-          <p:cNvSpPr>
-            <a:spLocks noGrp="1"/>
-          </p:cNvSpPr>
-          <p:nvPr>
-            <p:ph sz="half" idx="2"/>
-          </p:nvPr>
-        </p:nvSpPr>
-        <p:spPr/>
-        <p:txBody>
-          <a:bodyPr/>
-          <a:lstStyle/>
-          <a:p>
-            <a:r>
-              <a:rPr lang="en-US" dirty="0"/>
-              <a:t>You can just click “open </a:t>
-            </a:r>
-            <a:r>
-              <a:rPr lang="en-US" dirty="0" err="1"/>
-              <a:t>codespace</a:t>
-            </a:r>
-            <a:r>
-              <a:rPr lang="en-US" dirty="0"/>
-              <a:t>”</a:t>
-            </a:r>
-          </a:p>
-        </p:txBody>
-      </p:sp>
-    </p:spTree>
-    <p:extLst>
-      <p:ext uri="{BB962C8B-B14F-4D97-AF65-F5344CB8AC3E}">
-        <p14:creationId xmlns:p14="http://schemas.microsoft.com/office/powerpoint/2010/main" val="1540044206"/>
-      </p:ext>
-    </p:extLst>
-  </p:cSld>
-  <p:clrMapOvr>
-    <a:masterClrMapping/>
-  </p:clrMapOvr>
-</p:sld>
-</file>
-
-<file path=ppt/slides/slide5.xml><?xml version="1.0" encoding="utf-8"?>
-<p:sld xmlns:a="http://schemas.openxmlformats.org/drawingml/2006/main" xmlns:r="http://schemas.openxmlformats.org/officeDocument/2006/relationships" xmlns:p="http://schemas.openxmlformats.org/presentationml/2006/main">
-  <p:cSld>
-    <p:spTree>
-      <p:nvGrpSpPr>
-        <p:cNvPr id="1" name=""/>
-        <p:cNvGrpSpPr/>
-        <p:nvPr/>
-      </p:nvGrpSpPr>
-      <p:grpSpPr>
-        <a:xfrm>
-          <a:off x="0" y="0"/>
-          <a:ext cx="0" cy="0"/>
-          <a:chOff x="0" y="0"/>
-          <a:chExt cx="0" cy="0"/>
-        </a:xfrm>
-      </p:grpSpPr>
-      <p:sp>
-        <p:nvSpPr>
-          <p:cNvPr id="4" name="Slide Number Placeholder 3">
-            <a:extLst>
-              <a:ext uri="{FF2B5EF4-FFF2-40B4-BE49-F238E27FC236}">
-                <a16:creationId xmlns:a16="http://schemas.microsoft.com/office/drawing/2014/main" id="{B190A4E9-D7E5-15A8-59D2-0D616186F16E}"/>
-              </a:ext>
-            </a:extLst>
-          </p:cNvPr>
-          <p:cNvSpPr>
-            <a:spLocks noGrp="1"/>
-          </p:cNvSpPr>
-          <p:nvPr>
-            <p:ph type="sldNum" sz="quarter" idx="12"/>
-          </p:nvPr>
-        </p:nvSpPr>
-        <p:spPr/>
-        <p:txBody>
-          <a:bodyPr/>
-          <a:lstStyle/>
-          <a:p>
-            <a:fld id="{6D22F896-40B5-4ADD-8801-0D06FADFA095}" type="slidenum">
-              <a:rPr lang="en-US" smtClean="0"/>
-              <a:t>5</a:t>
-            </a:fld>
-            <a:endParaRPr lang="en-US" dirty="0"/>
-          </a:p>
-        </p:txBody>
-      </p:sp>
-      <p:sp>
-        <p:nvSpPr>
-          <p:cNvPr id="6" name="Title 5">
-            <a:extLst>
-              <a:ext uri="{FF2B5EF4-FFF2-40B4-BE49-F238E27FC236}">
-                <a16:creationId xmlns:a16="http://schemas.microsoft.com/office/drawing/2014/main" id="{4194C410-D45F-D8F3-324F-512ABAB01739}"/>
-              </a:ext>
-            </a:extLst>
-          </p:cNvPr>
-          <p:cNvSpPr>
-            <a:spLocks noGrp="1"/>
-          </p:cNvSpPr>
-          <p:nvPr>
-            <p:ph type="title"/>
-          </p:nvPr>
-        </p:nvSpPr>
-        <p:spPr/>
-        <p:txBody>
-          <a:bodyPr/>
-          <a:lstStyle/>
-          <a:p>
-            <a:r>
-              <a:rPr lang="en-US" dirty="0"/>
-              <a:t>After the Workshop</a:t>
-            </a:r>
-          </a:p>
-        </p:txBody>
-      </p:sp>
-      <p:pic>
-        <p:nvPicPr>
-          <p:cNvPr id="8" name="Content Placeholder 7">
-            <a:extLst>
-              <a:ext uri="{FF2B5EF4-FFF2-40B4-BE49-F238E27FC236}">
-                <a16:creationId xmlns:a16="http://schemas.microsoft.com/office/drawing/2014/main" id="{2EEC013F-CF41-0450-0725-25898D7DE728}"/>
+                <a16:creationId xmlns:a16="http://schemas.microsoft.com/office/drawing/2014/main" id="{188FB3EE-6F18-CF08-450E-70AF175BD00F}"/>
               </a:ext>
             </a:extLst>
           </p:cNvPr>
@@ -16257,19 +15639,19 @@
             <a:picLocks noGrp="1" noChangeAspect="1"/>
           </p:cNvPicPr>
           <p:nvPr>
-            <p:ph idx="1"/>
+            <p:ph sz="half" idx="2"/>
           </p:nvPr>
         </p:nvPicPr>
         <p:blipFill>
-          <a:blip r:embed="rId2"/>
+          <a:blip r:embed="rId5"/>
           <a:stretch>
             <a:fillRect/>
           </a:stretch>
         </p:blipFill>
         <p:spPr>
           <a:xfrm>
-            <a:off x="1352161" y="1663700"/>
-            <a:ext cx="7860491" cy="4641850"/>
+            <a:off x="6418311" y="2199822"/>
+            <a:ext cx="3846290" cy="3799762"/>
           </a:xfrm>
           <a:prstGeom prst="rect">
             <a:avLst/>
@@ -16278,10 +15660,10 @@
       </p:pic>
       <p:sp>
         <p:nvSpPr>
-          <p:cNvPr id="9" name="Oval 8">
+          <p:cNvPr id="7" name="Oval 6">
             <a:extLst>
               <a:ext uri="{FF2B5EF4-FFF2-40B4-BE49-F238E27FC236}">
-                <a16:creationId xmlns:a16="http://schemas.microsoft.com/office/drawing/2014/main" id="{97CFD177-13BF-CB8F-62E9-48366B88C80E}"/>
+                <a16:creationId xmlns:a16="http://schemas.microsoft.com/office/drawing/2014/main" id="{C9063CE4-1850-9540-93D7-7C90F4AF90A5}"/>
               </a:ext>
             </a:extLst>
           </p:cNvPr>
@@ -16290,8 +15672,8 @@
         </p:nvSpPr>
         <p:spPr>
           <a:xfrm>
-            <a:off x="5575466" y="1317173"/>
-            <a:ext cx="748145" cy="693054"/>
+            <a:off x="10132127" y="2069648"/>
+            <a:ext cx="524205" cy="485604"/>
           </a:xfrm>
           <a:prstGeom prst="ellipse">
             <a:avLst/>
@@ -16327,10 +15709,10 @@
       </p:sp>
       <p:sp>
         <p:nvSpPr>
-          <p:cNvPr id="10" name="Oval 9">
+          <p:cNvPr id="8" name="Oval 7">
             <a:extLst>
               <a:ext uri="{FF2B5EF4-FFF2-40B4-BE49-F238E27FC236}">
-                <a16:creationId xmlns:a16="http://schemas.microsoft.com/office/drawing/2014/main" id="{81A456E8-A24F-559D-8541-78F7829CFE57}"/>
+                <a16:creationId xmlns:a16="http://schemas.microsoft.com/office/drawing/2014/main" id="{02D71FD1-26E7-BA28-AF0A-65DBDE113164}"/>
               </a:ext>
             </a:extLst>
           </p:cNvPr>
@@ -16339,8 +15721,8 @@
         </p:nvSpPr>
         <p:spPr>
           <a:xfrm>
-            <a:off x="8838579" y="3191495"/>
-            <a:ext cx="748145" cy="693054"/>
+            <a:off x="9674159" y="2685426"/>
+            <a:ext cx="524205" cy="485604"/>
           </a:xfrm>
           <a:prstGeom prst="ellipse">
             <a:avLst/>
@@ -16376,10 +15758,10 @@
       </p:sp>
       <p:sp>
         <p:nvSpPr>
-          <p:cNvPr id="11" name="Oval 10">
+          <p:cNvPr id="9" name="Oval 8">
             <a:extLst>
               <a:ext uri="{FF2B5EF4-FFF2-40B4-BE49-F238E27FC236}">
-                <a16:creationId xmlns:a16="http://schemas.microsoft.com/office/drawing/2014/main" id="{9E823ED4-FD37-835E-BA84-27195C92B925}"/>
+                <a16:creationId xmlns:a16="http://schemas.microsoft.com/office/drawing/2014/main" id="{B93D74DB-BFFA-8975-0FFD-557103AC04BE}"/>
               </a:ext>
             </a:extLst>
           </p:cNvPr>
@@ -16388,8 +15770,8 @@
         </p:nvSpPr>
         <p:spPr>
           <a:xfrm>
-            <a:off x="7352185" y="5042067"/>
-            <a:ext cx="748145" cy="693054"/>
+            <a:off x="9412056" y="4545328"/>
+            <a:ext cx="524205" cy="485604"/>
           </a:xfrm>
           <a:prstGeom prst="ellipse">
             <a:avLst/>
@@ -16423,57 +15805,10 @@
           </a:p>
         </p:txBody>
       </p:sp>
-      <p:sp>
-        <p:nvSpPr>
-          <p:cNvPr id="12" name="TextBox 11">
-            <a:extLst>
-              <a:ext uri="{FF2B5EF4-FFF2-40B4-BE49-F238E27FC236}">
-                <a16:creationId xmlns:a16="http://schemas.microsoft.com/office/drawing/2014/main" id="{2E484573-4A72-3CC1-A3A2-5F88A0654D73}"/>
-              </a:ext>
-            </a:extLst>
-          </p:cNvPr>
-          <p:cNvSpPr txBox="1"/>
-          <p:nvPr/>
-        </p:nvSpPr>
-        <p:spPr>
-          <a:xfrm>
-            <a:off x="95003" y="6431827"/>
-            <a:ext cx="4038285" cy="369332"/>
-          </a:xfrm>
-          <a:prstGeom prst="rect">
-            <a:avLst/>
-          </a:prstGeom>
-          <a:noFill/>
-        </p:spPr>
-        <p:txBody>
-          <a:bodyPr wrap="none" rtlCol="0">
-            <a:spAutoFit/>
-          </a:bodyPr>
-          <a:lstStyle/>
-          <a:p>
-            <a:r>
-              <a:rPr lang="en-US" dirty="0" err="1"/>
-              <a:t>mickayrex</a:t>
-            </a:r>
-            <a:r>
-              <a:rPr lang="en-US" dirty="0"/>
-              <a:t> = your </a:t>
-            </a:r>
-            <a:r>
-              <a:rPr lang="en-US" dirty="0" err="1"/>
-              <a:t>github</a:t>
-            </a:r>
-            <a:r>
-              <a:rPr lang="en-US" dirty="0"/>
-              <a:t> username</a:t>
-            </a:r>
-          </a:p>
-        </p:txBody>
-      </p:sp>
     </p:spTree>
     <p:extLst>
       <p:ext uri="{BB962C8B-B14F-4D97-AF65-F5344CB8AC3E}">
-        <p14:creationId xmlns:p14="http://schemas.microsoft.com/office/powerpoint/2010/main" val="3293582563"/>
+        <p14:creationId xmlns:p14="http://schemas.microsoft.com/office/powerpoint/2010/main" val="1540044206"/>
       </p:ext>
     </p:extLst>
   </p:cSld>
@@ -16483,7 +15818,7 @@
 </p:sld>
 </file>
 
-<file path=ppt/slides/slide6.xml><?xml version="1.0" encoding="utf-8"?>
+<file path=ppt/slides/slide4.xml><?xml version="1.0" encoding="utf-8"?>
 <p:sld xmlns:a="http://schemas.openxmlformats.org/drawingml/2006/main" xmlns:r="http://schemas.openxmlformats.org/officeDocument/2006/relationships" xmlns:p="http://schemas.openxmlformats.org/presentationml/2006/main">
   <p:cSld>
     <p:spTree>
@@ -16558,7 +15893,7 @@
             <a:fld id="{6D22F896-40B5-4ADD-8801-0D06FADFA095}" type="slidenum">
               <a:rPr lang="en-US" smtClean="0"/>
               <a:pPr/>
-              <a:t>6</a:t>
+              <a:t>4</a:t>
             </a:fld>
             <a:endParaRPr lang="en-US" dirty="0"/>
           </a:p>
@@ -16592,7 +15927,7 @@
           <a:p>
             <a:r>
               <a:rPr lang="en-US" dirty="0"/>
-              <a:t>Setting up ~5 mins? 🤞</a:t>
+              <a:t>Setting Up</a:t>
             </a:r>
           </a:p>
         </p:txBody>
@@ -17149,7 +16484,7 @@
 </p:sld>
 </file>
 
-<file path=ppt/slides/slide7.xml><?xml version="1.0" encoding="utf-8"?>
+<file path=ppt/slides/slide5.xml><?xml version="1.0" encoding="utf-8"?>
 <p:sld xmlns:a="http://schemas.openxmlformats.org/drawingml/2006/main" xmlns:r="http://schemas.openxmlformats.org/officeDocument/2006/relationships" xmlns:p="http://schemas.openxmlformats.org/presentationml/2006/main">
   <p:cSld>
     <p:spTree>
@@ -17189,7 +16524,7 @@
           <a:p>
             <a:fld id="{6D22F896-40B5-4ADD-8801-0D06FADFA095}" type="slidenum">
               <a:rPr lang="en-US" smtClean="0"/>
-              <a:t>7</a:t>
+              <a:t>5</a:t>
             </a:fld>
             <a:endParaRPr lang="en-US" dirty="0"/>
           </a:p>
@@ -17268,7 +16603,7 @@
 </p:sld>
 </file>
 
-<file path=ppt/slides/slide8.xml><?xml version="1.0" encoding="utf-8"?>
+<file path=ppt/slides/slide6.xml><?xml version="1.0" encoding="utf-8"?>
 <p:sld xmlns:a="http://schemas.openxmlformats.org/drawingml/2006/main" xmlns:r="http://schemas.openxmlformats.org/officeDocument/2006/relationships" xmlns:p="http://schemas.openxmlformats.org/presentationml/2006/main">
   <p:cSld>
     <p:spTree>
@@ -17308,7 +16643,7 @@
           <a:p>
             <a:fld id="{6D22F896-40B5-4ADD-8801-0D06FADFA095}" type="slidenum">
               <a:rPr lang="en-US" smtClean="0"/>
-              <a:t>8</a:t>
+              <a:t>6</a:t>
             </a:fld>
             <a:endParaRPr lang="en-US" dirty="0"/>
           </a:p>
@@ -17378,6 +16713,319 @@
     <p:extLst>
       <p:ext uri="{BB962C8B-B14F-4D97-AF65-F5344CB8AC3E}">
         <p14:creationId xmlns:p14="http://schemas.microsoft.com/office/powerpoint/2010/main" val="745571255"/>
+      </p:ext>
+    </p:extLst>
+  </p:cSld>
+  <p:clrMapOvr>
+    <a:masterClrMapping/>
+  </p:clrMapOvr>
+</p:sld>
+</file>
+
+<file path=ppt/slides/slide7.xml><?xml version="1.0" encoding="utf-8"?>
+<p:sld xmlns:a="http://schemas.openxmlformats.org/drawingml/2006/main" xmlns:r="http://schemas.openxmlformats.org/officeDocument/2006/relationships" xmlns:p="http://schemas.openxmlformats.org/presentationml/2006/main">
+  <p:cSld>
+    <p:spTree>
+      <p:nvGrpSpPr>
+        <p:cNvPr id="1" name=""/>
+        <p:cNvGrpSpPr/>
+        <p:nvPr/>
+      </p:nvGrpSpPr>
+      <p:grpSpPr>
+        <a:xfrm>
+          <a:off x="0" y="0"/>
+          <a:ext cx="0" cy="0"/>
+          <a:chOff x="0" y="0"/>
+          <a:chExt cx="0" cy="0"/>
+        </a:xfrm>
+      </p:grpSpPr>
+      <p:pic>
+        <p:nvPicPr>
+          <p:cNvPr id="15" name="Content Placeholder 14" descr="A screenshot of a computer&#10;&#10;AI-generated content may be incorrect.">
+            <a:extLst>
+              <a:ext uri="{FF2B5EF4-FFF2-40B4-BE49-F238E27FC236}">
+                <a16:creationId xmlns:a16="http://schemas.microsoft.com/office/drawing/2014/main" id="{AE9E490F-F153-FB1F-F96E-CFC676D2876D}"/>
+              </a:ext>
+            </a:extLst>
+          </p:cNvPr>
+          <p:cNvPicPr>
+            <a:picLocks noGrp="1" noChangeAspect="1"/>
+          </p:cNvPicPr>
+          <p:nvPr>
+            <p:ph idx="1"/>
+          </p:nvPr>
+        </p:nvPicPr>
+        <p:blipFill>
+          <a:blip r:embed="rId2"/>
+          <a:stretch>
+            <a:fillRect/>
+          </a:stretch>
+        </p:blipFill>
+        <p:spPr>
+          <a:xfrm>
+            <a:off x="1593056" y="1978025"/>
+            <a:ext cx="7378700" cy="4013200"/>
+          </a:xfrm>
+          <a:prstGeom prst="rect">
+            <a:avLst/>
+          </a:prstGeom>
+        </p:spPr>
+      </p:pic>
+      <p:sp>
+        <p:nvSpPr>
+          <p:cNvPr id="4" name="Slide Number Placeholder 3">
+            <a:extLst>
+              <a:ext uri="{FF2B5EF4-FFF2-40B4-BE49-F238E27FC236}">
+                <a16:creationId xmlns:a16="http://schemas.microsoft.com/office/drawing/2014/main" id="{B190A4E9-D7E5-15A8-59D2-0D616186F16E}"/>
+              </a:ext>
+            </a:extLst>
+          </p:cNvPr>
+          <p:cNvSpPr>
+            <a:spLocks noGrp="1"/>
+          </p:cNvSpPr>
+          <p:nvPr>
+            <p:ph type="sldNum" sz="quarter" idx="12"/>
+          </p:nvPr>
+        </p:nvSpPr>
+        <p:spPr/>
+        <p:txBody>
+          <a:bodyPr/>
+          <a:lstStyle/>
+          <a:p>
+            <a:fld id="{6D22F896-40B5-4ADD-8801-0D06FADFA095}" type="slidenum">
+              <a:rPr lang="en-US" smtClean="0"/>
+              <a:t>7</a:t>
+            </a:fld>
+            <a:endParaRPr lang="en-US" dirty="0"/>
+          </a:p>
+        </p:txBody>
+      </p:sp>
+      <p:sp>
+        <p:nvSpPr>
+          <p:cNvPr id="6" name="Title 5">
+            <a:extLst>
+              <a:ext uri="{FF2B5EF4-FFF2-40B4-BE49-F238E27FC236}">
+                <a16:creationId xmlns:a16="http://schemas.microsoft.com/office/drawing/2014/main" id="{4194C410-D45F-D8F3-324F-512ABAB01739}"/>
+              </a:ext>
+            </a:extLst>
+          </p:cNvPr>
+          <p:cNvSpPr>
+            <a:spLocks noGrp="1"/>
+          </p:cNvSpPr>
+          <p:nvPr>
+            <p:ph type="title"/>
+          </p:nvPr>
+        </p:nvSpPr>
+        <p:spPr/>
+        <p:txBody>
+          <a:bodyPr/>
+          <a:lstStyle/>
+          <a:p>
+            <a:r>
+              <a:rPr lang="en-US" dirty="0"/>
+              <a:t>After the Workshop</a:t>
+            </a:r>
+          </a:p>
+        </p:txBody>
+      </p:sp>
+      <p:sp>
+        <p:nvSpPr>
+          <p:cNvPr id="9" name="Oval 8">
+            <a:extLst>
+              <a:ext uri="{FF2B5EF4-FFF2-40B4-BE49-F238E27FC236}">
+                <a16:creationId xmlns:a16="http://schemas.microsoft.com/office/drawing/2014/main" id="{97CFD177-13BF-CB8F-62E9-48366B88C80E}"/>
+              </a:ext>
+            </a:extLst>
+          </p:cNvPr>
+          <p:cNvSpPr/>
+          <p:nvPr/>
+        </p:nvSpPr>
+        <p:spPr>
+          <a:xfrm>
+            <a:off x="5818062" y="1473400"/>
+            <a:ext cx="748145" cy="693054"/>
+          </a:xfrm>
+          <a:prstGeom prst="ellipse">
+            <a:avLst/>
+          </a:prstGeom>
+        </p:spPr>
+        <p:style>
+          <a:lnRef idx="2">
+            <a:schemeClr val="accent1">
+              <a:shade val="15000"/>
+            </a:schemeClr>
+          </a:lnRef>
+          <a:fillRef idx="1">
+            <a:schemeClr val="accent1"/>
+          </a:fillRef>
+          <a:effectRef idx="0">
+            <a:schemeClr val="accent1"/>
+          </a:effectRef>
+          <a:fontRef idx="minor">
+            <a:schemeClr val="lt1"/>
+          </a:fontRef>
+        </p:style>
+        <p:txBody>
+          <a:bodyPr rtlCol="0" anchor="ctr"/>
+          <a:lstStyle/>
+          <a:p>
+            <a:pPr algn="ctr"/>
+            <a:r>
+              <a:rPr lang="en-US" b="1" dirty="0"/>
+              <a:t>1</a:t>
+            </a:r>
+          </a:p>
+        </p:txBody>
+      </p:sp>
+      <p:sp>
+        <p:nvSpPr>
+          <p:cNvPr id="10" name="Oval 9">
+            <a:extLst>
+              <a:ext uri="{FF2B5EF4-FFF2-40B4-BE49-F238E27FC236}">
+                <a16:creationId xmlns:a16="http://schemas.microsoft.com/office/drawing/2014/main" id="{81A456E8-A24F-559D-8541-78F7829CFE57}"/>
+              </a:ext>
+            </a:extLst>
+          </p:cNvPr>
+          <p:cNvSpPr/>
+          <p:nvPr/>
+        </p:nvSpPr>
+        <p:spPr>
+          <a:xfrm>
+            <a:off x="8847910" y="3359446"/>
+            <a:ext cx="748145" cy="693054"/>
+          </a:xfrm>
+          <a:prstGeom prst="ellipse">
+            <a:avLst/>
+          </a:prstGeom>
+        </p:spPr>
+        <p:style>
+          <a:lnRef idx="2">
+            <a:schemeClr val="accent1">
+              <a:shade val="15000"/>
+            </a:schemeClr>
+          </a:lnRef>
+          <a:fillRef idx="1">
+            <a:schemeClr val="accent1"/>
+          </a:fillRef>
+          <a:effectRef idx="0">
+            <a:schemeClr val="accent1"/>
+          </a:effectRef>
+          <a:fontRef idx="minor">
+            <a:schemeClr val="lt1"/>
+          </a:fontRef>
+        </p:style>
+        <p:txBody>
+          <a:bodyPr rtlCol="0" anchor="ctr"/>
+          <a:lstStyle/>
+          <a:p>
+            <a:pPr algn="ctr"/>
+            <a:r>
+              <a:rPr lang="en-US" b="1" dirty="0"/>
+              <a:t>2</a:t>
+            </a:r>
+          </a:p>
+        </p:txBody>
+      </p:sp>
+      <p:sp>
+        <p:nvSpPr>
+          <p:cNvPr id="11" name="Oval 10">
+            <a:extLst>
+              <a:ext uri="{FF2B5EF4-FFF2-40B4-BE49-F238E27FC236}">
+                <a16:creationId xmlns:a16="http://schemas.microsoft.com/office/drawing/2014/main" id="{9E823ED4-FD37-835E-BA84-27195C92B925}"/>
+              </a:ext>
+            </a:extLst>
+          </p:cNvPr>
+          <p:cNvSpPr/>
+          <p:nvPr/>
+        </p:nvSpPr>
+        <p:spPr>
+          <a:xfrm>
+            <a:off x="7146911" y="4892777"/>
+            <a:ext cx="748145" cy="693054"/>
+          </a:xfrm>
+          <a:prstGeom prst="ellipse">
+            <a:avLst/>
+          </a:prstGeom>
+        </p:spPr>
+        <p:style>
+          <a:lnRef idx="2">
+            <a:schemeClr val="accent1">
+              <a:shade val="15000"/>
+            </a:schemeClr>
+          </a:lnRef>
+          <a:fillRef idx="1">
+            <a:schemeClr val="accent1"/>
+          </a:fillRef>
+          <a:effectRef idx="0">
+            <a:schemeClr val="accent1"/>
+          </a:effectRef>
+          <a:fontRef idx="minor">
+            <a:schemeClr val="lt1"/>
+          </a:fontRef>
+        </p:style>
+        <p:txBody>
+          <a:bodyPr rtlCol="0" anchor="ctr"/>
+          <a:lstStyle/>
+          <a:p>
+            <a:pPr algn="ctr"/>
+            <a:r>
+              <a:rPr lang="en-US" b="1" dirty="0"/>
+              <a:t>3</a:t>
+            </a:r>
+          </a:p>
+        </p:txBody>
+      </p:sp>
+      <p:sp>
+        <p:nvSpPr>
+          <p:cNvPr id="12" name="TextBox 11">
+            <a:extLst>
+              <a:ext uri="{FF2B5EF4-FFF2-40B4-BE49-F238E27FC236}">
+                <a16:creationId xmlns:a16="http://schemas.microsoft.com/office/drawing/2014/main" id="{2E484573-4A72-3CC1-A3A2-5F88A0654D73}"/>
+              </a:ext>
+            </a:extLst>
+          </p:cNvPr>
+          <p:cNvSpPr txBox="1"/>
+          <p:nvPr/>
+        </p:nvSpPr>
+        <p:spPr>
+          <a:xfrm>
+            <a:off x="95003" y="6431827"/>
+            <a:ext cx="4038285" cy="369332"/>
+          </a:xfrm>
+          <a:prstGeom prst="rect">
+            <a:avLst/>
+          </a:prstGeom>
+          <a:noFill/>
+        </p:spPr>
+        <p:txBody>
+          <a:bodyPr wrap="none" rtlCol="0">
+            <a:spAutoFit/>
+          </a:bodyPr>
+          <a:lstStyle/>
+          <a:p>
+            <a:r>
+              <a:rPr lang="en-US" dirty="0" err="1"/>
+              <a:t>mickayrex</a:t>
+            </a:r>
+            <a:r>
+              <a:rPr lang="en-US" dirty="0"/>
+              <a:t> = your </a:t>
+            </a:r>
+            <a:r>
+              <a:rPr lang="en-US" dirty="0" err="1"/>
+              <a:t>github</a:t>
+            </a:r>
+            <a:r>
+              <a:rPr lang="en-US" dirty="0"/>
+              <a:t> username</a:t>
+            </a:r>
+          </a:p>
+        </p:txBody>
+      </p:sp>
+    </p:spTree>
+    <p:extLst>
+      <p:ext uri="{BB962C8B-B14F-4D97-AF65-F5344CB8AC3E}">
+        <p14:creationId xmlns:p14="http://schemas.microsoft.com/office/powerpoint/2010/main" val="3293582563"/>
       </p:ext>
     </p:extLst>
   </p:cSld>
@@ -17886,9 +17534,12 @@
 </file>
 
 <file path=customXml/item1.xml><?xml version="1.0" encoding="utf-8"?>
-<p:properties xmlns:p="http://schemas.microsoft.com/office/2006/metadata/properties" xmlns:xsi="http://www.w3.org/2001/XMLSchema-instance" xmlns:pc="http://schemas.microsoft.com/office/infopath/2007/PartnerControls">
-  <documentManagement/>
-</p:properties>
+<?mso-contentType ?>
+<FormTemplates xmlns="http://schemas.microsoft.com/sharepoint/v3/contenttype/forms">
+  <Display>DocumentLibraryForm</Display>
+  <Edit>DocumentLibraryForm</Edit>
+  <New>DocumentLibraryForm</New>
+</FormTemplates>
 </file>
 
 <file path=customXml/item2.xml><?xml version="1.0" encoding="utf-8"?>
@@ -18076,19 +17727,15 @@
 </file>
 
 <file path=customXml/item3.xml><?xml version="1.0" encoding="utf-8"?>
-<?mso-contentType ?>
-<FormTemplates xmlns="http://schemas.microsoft.com/sharepoint/v3/contenttype/forms">
-  <Display>DocumentLibraryForm</Display>
-  <Edit>DocumentLibraryForm</Edit>
-  <New>DocumentLibraryForm</New>
-</FormTemplates>
+<p:properties xmlns:p="http://schemas.microsoft.com/office/2006/metadata/properties" xmlns:xsi="http://www.w3.org/2001/XMLSchema-instance" xmlns:pc="http://schemas.microsoft.com/office/infopath/2007/PartnerControls">
+  <documentManagement/>
+</p:properties>
 </file>
 
 <file path=customXml/itemProps1.xml><?xml version="1.0" encoding="utf-8"?>
-<ds:datastoreItem xmlns:ds="http://schemas.openxmlformats.org/officeDocument/2006/customXml" ds:itemID="{BE96753C-6562-4775-AE70-F91598127EF2}">
+<ds:datastoreItem xmlns:ds="http://schemas.openxmlformats.org/officeDocument/2006/customXml" ds:itemID="{C5D3153B-4FB3-42B9-8921-193E3D66D533}">
   <ds:schemaRefs>
-    <ds:schemaRef ds:uri="http://schemas.microsoft.com/office/2006/metadata/properties"/>
-    <ds:schemaRef ds:uri="http://schemas.microsoft.com/office/infopath/2007/PartnerControls"/>
+    <ds:schemaRef ds:uri="http://schemas.microsoft.com/sharepoint/v3/contenttype/forms"/>
   </ds:schemaRefs>
 </ds:datastoreItem>
 </file>
@@ -18112,9 +17759,10 @@
 </file>
 
 <file path=customXml/itemProps3.xml><?xml version="1.0" encoding="utf-8"?>
-<ds:datastoreItem xmlns:ds="http://schemas.openxmlformats.org/officeDocument/2006/customXml" ds:itemID="{C5D3153B-4FB3-42B9-8921-193E3D66D533}">
+<ds:datastoreItem xmlns:ds="http://schemas.openxmlformats.org/officeDocument/2006/customXml" ds:itemID="{BE96753C-6562-4775-AE70-F91598127EF2}">
   <ds:schemaRefs>
-    <ds:schemaRef ds:uri="http://schemas.microsoft.com/sharepoint/v3/contenttype/forms"/>
+    <ds:schemaRef ds:uri="http://schemas.microsoft.com/office/2006/metadata/properties"/>
+    <ds:schemaRef ds:uri="http://schemas.microsoft.com/office/infopath/2007/PartnerControls"/>
   </ds:schemaRefs>
 </ds:datastoreItem>
 </file>